--- a/static/images/OpenReports.pptx
+++ b/static/images/OpenReports.pptx
@@ -5,7 +5,7 @@
     <p:sldMasterId id="2147483648" r:id="rId1"/>
   </p:sldMasterIdLst>
   <p:sldIdLst>
-    <p:sldId id="256" r:id="rId2"/>
+    <p:sldId id="257" r:id="rId2"/>
   </p:sldIdLst>
   <p:sldSz cx="12192000" cy="6858000"/>
   <p:notesSz cx="6858000" cy="9144000"/>
@@ -104,6 +104,11 @@
       </a:defRPr>
     </a:lvl9pPr>
   </p:defaultTextStyle>
+  <p:extLst>
+    <p:ext uri="{EFAFB233-063F-42B5-8137-9DF3F51BA10A}">
+      <p15:sldGuideLst xmlns:p15="http://schemas.microsoft.com/office/powerpoint/2012/main"/>
+    </p:ext>
+  </p:extLst>
 </p:presentation>
 </file>
 
@@ -3307,9 +3312,23 @@
 <file path=ppt/slides/slide1.xml><?xml version="1.0" encoding="utf-8"?>
 <p:sld xmlns:a="http://schemas.openxmlformats.org/drawingml/2006/main" xmlns:r="http://schemas.openxmlformats.org/officeDocument/2006/relationships" xmlns:p="http://schemas.openxmlformats.org/presentationml/2006/main">
   <p:cSld>
+    <p:bg>
+      <p:bgPr>
+        <a:solidFill>
+          <a:schemeClr val="accent5"/>
+        </a:solidFill>
+        <a:effectLst/>
+      </p:bgPr>
+    </p:bg>
     <p:spTree>
       <p:nvGrpSpPr>
-        <p:cNvPr id="1" name=""/>
+        <p:cNvPr id="1" name="">
+          <a:extLst>
+            <a:ext uri="{FF2B5EF4-FFF2-40B4-BE49-F238E27FC236}">
+              <a16:creationId xmlns:a16="http://schemas.microsoft.com/office/drawing/2014/main" id="{C2F3BFD5-7DBC-C4FD-9C39-0E5C1B58C69D}"/>
+            </a:ext>
+          </a:extLst>
+        </p:cNvPr>
         <p:cNvGrpSpPr/>
         <p:nvPr/>
       </p:nvGrpSpPr>
@@ -3326,7 +3345,7 @@
           <p:cNvPr id="39" name="Group 38">
             <a:extLst>
               <a:ext uri="{FF2B5EF4-FFF2-40B4-BE49-F238E27FC236}">
-                <a16:creationId xmlns:a16="http://schemas.microsoft.com/office/drawing/2014/main" id="{DB130409-2C1E-E5C0-364A-F9C0EEA949A0}"/>
+                <a16:creationId xmlns:a16="http://schemas.microsoft.com/office/drawing/2014/main" id="{D0DC1FE2-7066-646E-B857-BD3415262418}"/>
               </a:ext>
             </a:extLst>
           </p:cNvPr>
@@ -3346,7 +3365,7 @@
             <p:cNvPr id="14" name="Rounded Rectangle 13">
               <a:extLst>
                 <a:ext uri="{FF2B5EF4-FFF2-40B4-BE49-F238E27FC236}">
-                  <a16:creationId xmlns:a16="http://schemas.microsoft.com/office/drawing/2014/main" id="{FFC509BD-27D6-4AB5-6D3A-FCFF2B5F4347}"/>
+                  <a16:creationId xmlns:a16="http://schemas.microsoft.com/office/drawing/2014/main" id="{6F8E69B8-9C29-4D69-3120-A014A8110413}"/>
                 </a:ext>
               </a:extLst>
             </p:cNvPr>
@@ -3397,7 +3416,7 @@
             <p:cNvPr id="12" name="Rounded Rectangle 11">
               <a:extLst>
                 <a:ext uri="{FF2B5EF4-FFF2-40B4-BE49-F238E27FC236}">
-                  <a16:creationId xmlns:a16="http://schemas.microsoft.com/office/drawing/2014/main" id="{0D843926-8391-9DA5-0BE4-F1E0383F37A6}"/>
+                  <a16:creationId xmlns:a16="http://schemas.microsoft.com/office/drawing/2014/main" id="{98BB6DE2-F9AD-32BD-F41A-5F339498A930}"/>
                 </a:ext>
               </a:extLst>
             </p:cNvPr>
@@ -3448,7 +3467,7 @@
             <p:cNvPr id="16" name="Rounded Rectangle 15">
               <a:extLst>
                 <a:ext uri="{FF2B5EF4-FFF2-40B4-BE49-F238E27FC236}">
-                  <a16:creationId xmlns:a16="http://schemas.microsoft.com/office/drawing/2014/main" id="{C2412EAE-F1B9-D4D0-DF4E-EEBF8B61CAB2}"/>
+                  <a16:creationId xmlns:a16="http://schemas.microsoft.com/office/drawing/2014/main" id="{2079CA5A-C37B-D7FA-9590-F665534DE0B4}"/>
                 </a:ext>
               </a:extLst>
             </p:cNvPr>
@@ -3499,7 +3518,7 @@
             <p:cNvPr id="15" name="Rounded Rectangle 14">
               <a:extLst>
                 <a:ext uri="{FF2B5EF4-FFF2-40B4-BE49-F238E27FC236}">
-                  <a16:creationId xmlns:a16="http://schemas.microsoft.com/office/drawing/2014/main" id="{96836066-1E83-0B9E-F15A-908362F8D5BE}"/>
+                  <a16:creationId xmlns:a16="http://schemas.microsoft.com/office/drawing/2014/main" id="{3EFAD701-8054-565B-BD65-95393577EABE}"/>
                 </a:ext>
               </a:extLst>
             </p:cNvPr>
@@ -3550,7 +3569,7 @@
             <p:cNvPr id="5" name="Rounded Rectangle 4">
               <a:extLst>
                 <a:ext uri="{FF2B5EF4-FFF2-40B4-BE49-F238E27FC236}">
-                  <a16:creationId xmlns:a16="http://schemas.microsoft.com/office/drawing/2014/main" id="{DF2111DE-A735-DF19-643B-1B5535AC2B62}"/>
+                  <a16:creationId xmlns:a16="http://schemas.microsoft.com/office/drawing/2014/main" id="{36F3320E-D8A1-F6B9-6163-D025D419A75E}"/>
                 </a:ext>
               </a:extLst>
             </p:cNvPr>
@@ -3570,7 +3589,7 @@
             </a:solidFill>
             <a:ln>
               <a:solidFill>
-                <a:schemeClr val="tx1"/>
+                <a:schemeClr val="bg1"/>
               </a:solidFill>
             </a:ln>
           </p:spPr>
@@ -3604,7 +3623,7 @@
             <p:cNvPr id="19" name="Document 18">
               <a:extLst>
                 <a:ext uri="{FF2B5EF4-FFF2-40B4-BE49-F238E27FC236}">
-                  <a16:creationId xmlns:a16="http://schemas.microsoft.com/office/drawing/2014/main" id="{BBB751B3-3B58-3C46-8715-52310D86F752}"/>
+                  <a16:creationId xmlns:a16="http://schemas.microsoft.com/office/drawing/2014/main" id="{6F73F429-3F79-0E98-6D66-A31A9BCF89FE}"/>
                 </a:ext>
               </a:extLst>
             </p:cNvPr>
@@ -3624,7 +3643,7 @@
             </a:solidFill>
             <a:ln>
               <a:solidFill>
-                <a:schemeClr val="tx1"/>
+                <a:schemeClr val="bg1"/>
               </a:solidFill>
             </a:ln>
           </p:spPr>
@@ -3658,7 +3677,7 @@
             <p:cNvPr id="6" name="Rounded Rectangle 5">
               <a:extLst>
                 <a:ext uri="{FF2B5EF4-FFF2-40B4-BE49-F238E27FC236}">
-                  <a16:creationId xmlns:a16="http://schemas.microsoft.com/office/drawing/2014/main" id="{5BD4A0D9-5BC8-53A5-3558-017668ADF540}"/>
+                  <a16:creationId xmlns:a16="http://schemas.microsoft.com/office/drawing/2014/main" id="{35D8FF67-9D0F-4DA4-9536-C9CB5CB5624F}"/>
                 </a:ext>
               </a:extLst>
             </p:cNvPr>
@@ -3676,6 +3695,11 @@
             <a:solidFill>
               <a:srgbClr val="00B0F0"/>
             </a:solidFill>
+            <a:ln>
+              <a:solidFill>
+                <a:schemeClr val="bg1"/>
+              </a:solidFill>
+            </a:ln>
           </p:spPr>
           <p:style>
             <a:lnRef idx="2">
@@ -3707,7 +3731,7 @@
             <p:cNvPr id="24" name="Group 23">
               <a:extLst>
                 <a:ext uri="{FF2B5EF4-FFF2-40B4-BE49-F238E27FC236}">
-                  <a16:creationId xmlns:a16="http://schemas.microsoft.com/office/drawing/2014/main" id="{9B4E3281-5773-41ED-765C-5718E4C9E69F}"/>
+                  <a16:creationId xmlns:a16="http://schemas.microsoft.com/office/drawing/2014/main" id="{42FA938C-725D-E0BC-7216-20EA208A3034}"/>
                 </a:ext>
               </a:extLst>
             </p:cNvPr>
@@ -3727,7 +3751,7 @@
               <p:cNvPr id="20" name="Oval 19">
                 <a:extLst>
                   <a:ext uri="{FF2B5EF4-FFF2-40B4-BE49-F238E27FC236}">
-                    <a16:creationId xmlns:a16="http://schemas.microsoft.com/office/drawing/2014/main" id="{52CAF002-C3A2-5857-F5D0-BDBD8B344B7F}"/>
+                    <a16:creationId xmlns:a16="http://schemas.microsoft.com/office/drawing/2014/main" id="{A394147C-E622-C2ED-966C-23C41824781A}"/>
                   </a:ext>
                 </a:extLst>
               </p:cNvPr>
@@ -3747,7 +3771,7 @@
               </a:solidFill>
               <a:ln>
                 <a:solidFill>
-                  <a:schemeClr val="tx1"/>
+                  <a:schemeClr val="bg1"/>
                 </a:solidFill>
               </a:ln>
             </p:spPr>
@@ -3781,7 +3805,7 @@
               <p:cNvPr id="21" name="Rounded Rectangle 20">
                 <a:extLst>
                   <a:ext uri="{FF2B5EF4-FFF2-40B4-BE49-F238E27FC236}">
-                    <a16:creationId xmlns:a16="http://schemas.microsoft.com/office/drawing/2014/main" id="{6A12A6BB-F93E-3828-384E-EAFB0A2EC6CA}"/>
+                    <a16:creationId xmlns:a16="http://schemas.microsoft.com/office/drawing/2014/main" id="{52E54BE3-9AE6-94F6-D749-EC4FAC32E404}"/>
                   </a:ext>
                 </a:extLst>
               </p:cNvPr>
@@ -3803,7 +3827,7 @@
               </a:solidFill>
               <a:ln>
                 <a:solidFill>
-                  <a:schemeClr val="tx1"/>
+                  <a:schemeClr val="bg1"/>
                 </a:solidFill>
               </a:ln>
             </p:spPr>
@@ -3838,7 +3862,7 @@
             <p:cNvPr id="31" name="Process 30">
               <a:extLst>
                 <a:ext uri="{FF2B5EF4-FFF2-40B4-BE49-F238E27FC236}">
-                  <a16:creationId xmlns:a16="http://schemas.microsoft.com/office/drawing/2014/main" id="{71CE4519-9190-D936-2107-BB4530D1ED06}"/>
+                  <a16:creationId xmlns:a16="http://schemas.microsoft.com/office/drawing/2014/main" id="{FCEA7BFC-DAD7-154A-1C0F-79F8C87781A3}"/>
                 </a:ext>
               </a:extLst>
             </p:cNvPr>
@@ -3890,7 +3914,7 @@
             <p:cNvPr id="32" name="Group 31">
               <a:extLst>
                 <a:ext uri="{FF2B5EF4-FFF2-40B4-BE49-F238E27FC236}">
-                  <a16:creationId xmlns:a16="http://schemas.microsoft.com/office/drawing/2014/main" id="{15C05B14-DE84-93BE-BCFC-D192B4516DBE}"/>
+                  <a16:creationId xmlns:a16="http://schemas.microsoft.com/office/drawing/2014/main" id="{ECFB204D-D1A9-00C1-612C-ECB713D303BE}"/>
                 </a:ext>
               </a:extLst>
             </p:cNvPr>
@@ -3910,7 +3934,7 @@
               <p:cNvPr id="33" name="Oval 32">
                 <a:extLst>
                   <a:ext uri="{FF2B5EF4-FFF2-40B4-BE49-F238E27FC236}">
-                    <a16:creationId xmlns:a16="http://schemas.microsoft.com/office/drawing/2014/main" id="{659D0FCD-4D32-F7EA-4AAE-3665E8F714E7}"/>
+                    <a16:creationId xmlns:a16="http://schemas.microsoft.com/office/drawing/2014/main" id="{9D21B1E3-D389-87CE-9163-DFA7BDEEA1F7}"/>
                   </a:ext>
                 </a:extLst>
               </p:cNvPr>
@@ -3930,7 +3954,7 @@
               </a:solidFill>
               <a:ln>
                 <a:solidFill>
-                  <a:schemeClr val="tx1"/>
+                  <a:schemeClr val="bg1"/>
                 </a:solidFill>
               </a:ln>
             </p:spPr>
@@ -3964,7 +3988,7 @@
               <p:cNvPr id="34" name="Rounded Rectangle 33">
                 <a:extLst>
                   <a:ext uri="{FF2B5EF4-FFF2-40B4-BE49-F238E27FC236}">
-                    <a16:creationId xmlns:a16="http://schemas.microsoft.com/office/drawing/2014/main" id="{4F17B3CF-6A1D-D608-4270-38C9C62F4829}"/>
+                    <a16:creationId xmlns:a16="http://schemas.microsoft.com/office/drawing/2014/main" id="{2AF1C9A3-09CA-069C-1358-4A756D1B5D09}"/>
                   </a:ext>
                 </a:extLst>
               </p:cNvPr>
@@ -3986,7 +4010,7 @@
               </a:solidFill>
               <a:ln>
                 <a:solidFill>
-                  <a:schemeClr val="tx1"/>
+                  <a:schemeClr val="bg1"/>
                 </a:solidFill>
               </a:ln>
             </p:spPr>
@@ -4021,7 +4045,7 @@
             <p:cNvPr id="35" name="Group 34">
               <a:extLst>
                 <a:ext uri="{FF2B5EF4-FFF2-40B4-BE49-F238E27FC236}">
-                  <a16:creationId xmlns:a16="http://schemas.microsoft.com/office/drawing/2014/main" id="{92C54CD9-0FFC-B6D6-5D7F-1F3FE9D2038E}"/>
+                  <a16:creationId xmlns:a16="http://schemas.microsoft.com/office/drawing/2014/main" id="{CE0C3794-018D-DB55-002F-25AB4233D71F}"/>
                 </a:ext>
               </a:extLst>
             </p:cNvPr>
@@ -4041,7 +4065,7 @@
               <p:cNvPr id="36" name="Oval 35">
                 <a:extLst>
                   <a:ext uri="{FF2B5EF4-FFF2-40B4-BE49-F238E27FC236}">
-                    <a16:creationId xmlns:a16="http://schemas.microsoft.com/office/drawing/2014/main" id="{B7CCDB91-02B3-1D08-4279-A931501BB4E8}"/>
+                    <a16:creationId xmlns:a16="http://schemas.microsoft.com/office/drawing/2014/main" id="{15F40F48-C4B2-F84A-811F-16FC55EDFF10}"/>
                   </a:ext>
                 </a:extLst>
               </p:cNvPr>
@@ -4061,7 +4085,7 @@
               </a:solidFill>
               <a:ln>
                 <a:solidFill>
-                  <a:schemeClr val="tx1"/>
+                  <a:schemeClr val="bg1"/>
                 </a:solidFill>
               </a:ln>
             </p:spPr>
@@ -4095,7 +4119,7 @@
               <p:cNvPr id="37" name="Rounded Rectangle 36">
                 <a:extLst>
                   <a:ext uri="{FF2B5EF4-FFF2-40B4-BE49-F238E27FC236}">
-                    <a16:creationId xmlns:a16="http://schemas.microsoft.com/office/drawing/2014/main" id="{1202FA18-879B-E9E2-410D-48A2568F20E2}"/>
+                    <a16:creationId xmlns:a16="http://schemas.microsoft.com/office/drawing/2014/main" id="{3035EDF2-6761-4055-F2FF-675E5C98CB0B}"/>
                   </a:ext>
                 </a:extLst>
               </p:cNvPr>
@@ -4117,7 +4141,7 @@
               </a:solidFill>
               <a:ln>
                 <a:solidFill>
-                  <a:schemeClr val="tx1"/>
+                  <a:schemeClr val="bg1"/>
                 </a:solidFill>
               </a:ln>
             </p:spPr>
@@ -4153,7 +4177,7 @@
           <p:cNvPr id="38" name="TextBox 37">
             <a:extLst>
               <a:ext uri="{FF2B5EF4-FFF2-40B4-BE49-F238E27FC236}">
-                <a16:creationId xmlns:a16="http://schemas.microsoft.com/office/drawing/2014/main" id="{32E3BDB8-5D7B-B365-F681-2708392BBEC4}"/>
+                <a16:creationId xmlns:a16="http://schemas.microsoft.com/office/drawing/2014/main" id="{CF428E8B-853A-8E95-07A6-3C4941FB8D79}"/>
               </a:ext>
             </a:extLst>
           </p:cNvPr>
@@ -4178,7 +4202,10 @@
           <a:p>
             <a:r>
               <a:rPr lang="en-US" sz="9600" b="1" dirty="0">
-                <a:latin typeface="Helvetica Neue" panose="02000503000000020004" pitchFamily="2" charset="0"/>
+                <a:solidFill>
+                  <a:schemeClr val="bg1"/>
+                </a:solidFill>
+                <a:latin typeface="Helvetica" pitchFamily="2" charset="0"/>
                 <a:ea typeface="Helvetica Neue" panose="02000503000000020004" pitchFamily="2" charset="0"/>
                 <a:cs typeface="Helvetica Neue" panose="02000503000000020004" pitchFamily="2" charset="0"/>
               </a:rPr>
@@ -4190,7 +4217,7 @@
     </p:spTree>
     <p:extLst>
       <p:ext uri="{BB962C8B-B14F-4D97-AF65-F5344CB8AC3E}">
-        <p14:creationId xmlns:p14="http://schemas.microsoft.com/office/powerpoint/2010/main" val="1602211123"/>
+        <p14:creationId xmlns:p14="http://schemas.microsoft.com/office/powerpoint/2010/main" val="3454432521"/>
       </p:ext>
     </p:extLst>
   </p:cSld>
